--- a/Presentation1.pptx
+++ b/Presentation1.pptx
@@ -5,8 +5,12 @@
     <p:sldMasterId id="2147483648" r:id="rId1"/>
   </p:sldMasterIdLst>
   <p:sldIdLst>
-    <p:sldId id="256" r:id="rId2"/>
-    <p:sldId id="257" r:id="rId3"/>
+    <p:sldId id="260" r:id="rId2"/>
+    <p:sldId id="258" r:id="rId3"/>
+    <p:sldId id="259" r:id="rId4"/>
+    <p:sldId id="261" r:id="rId5"/>
+    <p:sldId id="257" r:id="rId6"/>
+    <p:sldId id="256" r:id="rId7"/>
   </p:sldIdLst>
   <p:sldSz cx="12192000" cy="6858000"/>
   <p:notesSz cx="6858000" cy="9144000"/>
@@ -124,6 +128,271 @@
 </p:presentation>
 </file>
 
+<file path=ppt/revisionInfo.xml><?xml version="1.0" encoding="utf-8"?>
+<p1510:revInfo xmlns:a="http://schemas.openxmlformats.org/drawingml/2006/main" xmlns:r="http://schemas.openxmlformats.org/officeDocument/2006/relationships" xmlns:p1510="http://schemas.microsoft.com/office/powerpoint/2015/10/main">
+  <p1510:revLst>
+    <p1510:client id="{DB26E81D-730D-4E5D-B9D6-32A24099106E}" v="6" dt="2023-11-14T14:36:34.162"/>
+  </p1510:revLst>
+</p1510:revInfo>
+</file>
+
+<file path=ppt/changesInfos/changesInfo1.xml><?xml version="1.0" encoding="utf-8"?>
+<pc:chgInfo xmlns:a="http://schemas.openxmlformats.org/drawingml/2006/main" xmlns:r="http://schemas.openxmlformats.org/officeDocument/2006/relationships" xmlns:ac="http://schemas.microsoft.com/office/drawing/2013/main/command" xmlns:pc="http://schemas.microsoft.com/office/powerpoint/2013/main/command">
+  <pc:docChgLst>
+    <pc:chgData name="muhammad abdullahi" userId="0b3bbfbef5e37dc7" providerId="LiveId" clId="{DB26E81D-730D-4E5D-B9D6-32A24099106E}"/>
+    <pc:docChg chg="undo custSel addSld modSld sldOrd">
+      <pc:chgData name="muhammad abdullahi" userId="0b3bbfbef5e37dc7" providerId="LiveId" clId="{DB26E81D-730D-4E5D-B9D6-32A24099106E}" dt="2023-11-14T14:36:42.471" v="471" actId="20577"/>
+      <pc:docMkLst>
+        <pc:docMk/>
+      </pc:docMkLst>
+      <pc:sldChg chg="ord">
+        <pc:chgData name="muhammad abdullahi" userId="0b3bbfbef5e37dc7" providerId="LiveId" clId="{DB26E81D-730D-4E5D-B9D6-32A24099106E}" dt="2023-11-13T22:12:10.107" v="2"/>
+        <pc:sldMkLst>
+          <pc:docMk/>
+          <pc:sldMk cId="2462476015" sldId="256"/>
+        </pc:sldMkLst>
+      </pc:sldChg>
+      <pc:sldChg chg="addSp delSp modSp new mod">
+        <pc:chgData name="muhammad abdullahi" userId="0b3bbfbef5e37dc7" providerId="LiveId" clId="{DB26E81D-730D-4E5D-B9D6-32A24099106E}" dt="2023-11-14T13:38:45.192" v="452" actId="20577"/>
+        <pc:sldMkLst>
+          <pc:docMk/>
+          <pc:sldMk cId="200290078" sldId="258"/>
+        </pc:sldMkLst>
+        <pc:spChg chg="mod">
+          <ac:chgData name="muhammad abdullahi" userId="0b3bbfbef5e37dc7" providerId="LiveId" clId="{DB26E81D-730D-4E5D-B9D6-32A24099106E}" dt="2023-11-13T22:12:22.978" v="30" actId="20577"/>
+          <ac:spMkLst>
+            <pc:docMk/>
+            <pc:sldMk cId="200290078" sldId="258"/>
+            <ac:spMk id="2" creationId="{88AD331C-AEC9-7632-CAA6-CF37B747D484}"/>
+          </ac:spMkLst>
+        </pc:spChg>
+        <pc:spChg chg="mod">
+          <ac:chgData name="muhammad abdullahi" userId="0b3bbfbef5e37dc7" providerId="LiveId" clId="{DB26E81D-730D-4E5D-B9D6-32A24099106E}" dt="2023-11-14T13:38:34.036" v="445" actId="5793"/>
+          <ac:spMkLst>
+            <pc:docMk/>
+            <pc:sldMk cId="200290078" sldId="258"/>
+            <ac:spMk id="3" creationId="{C7E3214E-B388-E02B-4CA7-213FC7516AE2}"/>
+          </ac:spMkLst>
+        </pc:spChg>
+        <pc:spChg chg="add del ord">
+          <ac:chgData name="muhammad abdullahi" userId="0b3bbfbef5e37dc7" providerId="LiveId" clId="{DB26E81D-730D-4E5D-B9D6-32A24099106E}" dt="2023-11-14T10:38:42.351" v="87" actId="11529"/>
+          <ac:spMkLst>
+            <pc:docMk/>
+            <pc:sldMk cId="200290078" sldId="258"/>
+            <ac:spMk id="7" creationId="{188185F9-8120-39D1-334C-4C9C1977D909}"/>
+          </ac:spMkLst>
+        </pc:spChg>
+        <pc:spChg chg="add del mod ord">
+          <ac:chgData name="muhammad abdullahi" userId="0b3bbfbef5e37dc7" providerId="LiveId" clId="{DB26E81D-730D-4E5D-B9D6-32A24099106E}" dt="2023-11-14T10:43:34.831" v="130" actId="478"/>
+          <ac:spMkLst>
+            <pc:docMk/>
+            <pc:sldMk cId="200290078" sldId="258"/>
+            <ac:spMk id="8" creationId="{43C63D13-D875-845E-4FAD-FDF55DDF9C0C}"/>
+          </ac:spMkLst>
+        </pc:spChg>
+        <pc:spChg chg="add mod">
+          <ac:chgData name="muhammad abdullahi" userId="0b3bbfbef5e37dc7" providerId="LiveId" clId="{DB26E81D-730D-4E5D-B9D6-32A24099106E}" dt="2023-11-14T10:41:24.873" v="124" actId="1076"/>
+          <ac:spMkLst>
+            <pc:docMk/>
+            <pc:sldMk cId="200290078" sldId="258"/>
+            <ac:spMk id="12" creationId="{F3DDEE40-468A-4B1B-C4B6-FF2D5DD15D16}"/>
+          </ac:spMkLst>
+        </pc:spChg>
+        <pc:spChg chg="add mod">
+          <ac:chgData name="muhammad abdullahi" userId="0b3bbfbef5e37dc7" providerId="LiveId" clId="{DB26E81D-730D-4E5D-B9D6-32A24099106E}" dt="2023-11-14T13:38:29.437" v="442" actId="20577"/>
+          <ac:spMkLst>
+            <pc:docMk/>
+            <pc:sldMk cId="200290078" sldId="258"/>
+            <ac:spMk id="14" creationId="{A77A8631-94AC-085D-3BC8-DE4E6E32F0AF}"/>
+          </ac:spMkLst>
+        </pc:spChg>
+        <pc:spChg chg="add mod">
+          <ac:chgData name="muhammad abdullahi" userId="0b3bbfbef5e37dc7" providerId="LiveId" clId="{DB26E81D-730D-4E5D-B9D6-32A24099106E}" dt="2023-11-14T13:38:45.192" v="452" actId="20577"/>
+          <ac:spMkLst>
+            <pc:docMk/>
+            <pc:sldMk cId="200290078" sldId="258"/>
+            <ac:spMk id="15" creationId="{4F9BF94A-BE12-A359-571B-DBB4796EB862}"/>
+          </ac:spMkLst>
+        </pc:spChg>
+        <pc:picChg chg="add mod">
+          <ac:chgData name="muhammad abdullahi" userId="0b3bbfbef5e37dc7" providerId="LiveId" clId="{DB26E81D-730D-4E5D-B9D6-32A24099106E}" dt="2023-11-13T22:12:44.689" v="36" actId="1076"/>
+          <ac:picMkLst>
+            <pc:docMk/>
+            <pc:sldMk cId="200290078" sldId="258"/>
+            <ac:picMk id="5" creationId="{9C4751C8-CEA1-220F-A085-F804C91C2D34}"/>
+          </ac:picMkLst>
+        </pc:picChg>
+        <pc:picChg chg="add mod">
+          <ac:chgData name="muhammad abdullahi" userId="0b3bbfbef5e37dc7" providerId="LiveId" clId="{DB26E81D-730D-4E5D-B9D6-32A24099106E}" dt="2023-11-14T10:43:41.477" v="131" actId="1076"/>
+          <ac:picMkLst>
+            <pc:docMk/>
+            <pc:sldMk cId="200290078" sldId="258"/>
+            <ac:picMk id="6" creationId="{1645CA51-C633-7B8F-71FC-61582674ECD3}"/>
+          </ac:picMkLst>
+        </pc:picChg>
+        <pc:cxnChg chg="add mod">
+          <ac:chgData name="muhammad abdullahi" userId="0b3bbfbef5e37dc7" providerId="LiveId" clId="{DB26E81D-730D-4E5D-B9D6-32A24099106E}" dt="2023-11-14T10:41:19.306" v="123" actId="1076"/>
+          <ac:cxnSpMkLst>
+            <pc:docMk/>
+            <pc:sldMk cId="200290078" sldId="258"/>
+            <ac:cxnSpMk id="10" creationId="{831C5A29-2385-9D99-DC1C-FBEA2B7BA78B}"/>
+          </ac:cxnSpMkLst>
+        </pc:cxnChg>
+      </pc:sldChg>
+      <pc:sldChg chg="addSp delSp modSp new mod">
+        <pc:chgData name="muhammad abdullahi" userId="0b3bbfbef5e37dc7" providerId="LiveId" clId="{DB26E81D-730D-4E5D-B9D6-32A24099106E}" dt="2023-11-14T13:39:22.605" v="454" actId="1076"/>
+        <pc:sldMkLst>
+          <pc:docMk/>
+          <pc:sldMk cId="2903769002" sldId="259"/>
+        </pc:sldMkLst>
+        <pc:spChg chg="del">
+          <ac:chgData name="muhammad abdullahi" userId="0b3bbfbef5e37dc7" providerId="LiveId" clId="{DB26E81D-730D-4E5D-B9D6-32A24099106E}" dt="2023-11-14T11:18:07.139" v="134" actId="478"/>
+          <ac:spMkLst>
+            <pc:docMk/>
+            <pc:sldMk cId="2903769002" sldId="259"/>
+            <ac:spMk id="2" creationId="{636D2006-E8F3-DE92-6A8E-F24B16A1DA41}"/>
+          </ac:spMkLst>
+        </pc:spChg>
+        <pc:spChg chg="del">
+          <ac:chgData name="muhammad abdullahi" userId="0b3bbfbef5e37dc7" providerId="LiveId" clId="{DB26E81D-730D-4E5D-B9D6-32A24099106E}" dt="2023-11-14T11:17:39.245" v="133" actId="22"/>
+          <ac:spMkLst>
+            <pc:docMk/>
+            <pc:sldMk cId="2903769002" sldId="259"/>
+            <ac:spMk id="3" creationId="{099A6B92-8B17-5A50-7669-F5C83EB97D51}"/>
+          </ac:spMkLst>
+        </pc:spChg>
+        <pc:spChg chg="add mod">
+          <ac:chgData name="muhammad abdullahi" userId="0b3bbfbef5e37dc7" providerId="LiveId" clId="{DB26E81D-730D-4E5D-B9D6-32A24099106E}" dt="2023-11-14T13:39:16.650" v="453" actId="1076"/>
+          <ac:spMkLst>
+            <pc:docMk/>
+            <pc:sldMk cId="2903769002" sldId="259"/>
+            <ac:spMk id="6" creationId="{CF98F935-3DB3-1B5F-E702-C86A3B87C296}"/>
+          </ac:spMkLst>
+        </pc:spChg>
+        <pc:spChg chg="add del mod">
+          <ac:chgData name="muhammad abdullahi" userId="0b3bbfbef5e37dc7" providerId="LiveId" clId="{DB26E81D-730D-4E5D-B9D6-32A24099106E}" dt="2023-11-14T11:20:08.119" v="150" actId="22"/>
+          <ac:spMkLst>
+            <pc:docMk/>
+            <pc:sldMk cId="2903769002" sldId="259"/>
+            <ac:spMk id="8" creationId="{A667F76C-0465-43BD-ADB8-6797E654B200}"/>
+          </ac:spMkLst>
+        </pc:spChg>
+        <pc:spChg chg="add mod">
+          <ac:chgData name="muhammad abdullahi" userId="0b3bbfbef5e37dc7" providerId="LiveId" clId="{DB26E81D-730D-4E5D-B9D6-32A24099106E}" dt="2023-11-14T13:39:22.605" v="454" actId="1076"/>
+          <ac:spMkLst>
+            <pc:docMk/>
+            <pc:sldMk cId="2903769002" sldId="259"/>
+            <ac:spMk id="13" creationId="{AF53ED4D-D3E1-CF70-4530-A5EE256D0092}"/>
+          </ac:spMkLst>
+        </pc:spChg>
+        <pc:picChg chg="add del mod ord">
+          <ac:chgData name="muhammad abdullahi" userId="0b3bbfbef5e37dc7" providerId="LiveId" clId="{DB26E81D-730D-4E5D-B9D6-32A24099106E}" dt="2023-11-14T11:18:51.923" v="149" actId="478"/>
+          <ac:picMkLst>
+            <pc:docMk/>
+            <pc:sldMk cId="2903769002" sldId="259"/>
+            <ac:picMk id="5" creationId="{ECF9404F-D0E8-A9DA-0D11-E36F055AA311}"/>
+          </ac:picMkLst>
+        </pc:picChg>
+        <pc:picChg chg="add mod ord">
+          <ac:chgData name="muhammad abdullahi" userId="0b3bbfbef5e37dc7" providerId="LiveId" clId="{DB26E81D-730D-4E5D-B9D6-32A24099106E}" dt="2023-11-14T11:20:12.426" v="152" actId="1076"/>
+          <ac:picMkLst>
+            <pc:docMk/>
+            <pc:sldMk cId="2903769002" sldId="259"/>
+            <ac:picMk id="10" creationId="{C4FE1FEF-0765-1DD3-FD2A-300BC318CCDE}"/>
+          </ac:picMkLst>
+        </pc:picChg>
+        <pc:picChg chg="add mod">
+          <ac:chgData name="muhammad abdullahi" userId="0b3bbfbef5e37dc7" providerId="LiveId" clId="{DB26E81D-730D-4E5D-B9D6-32A24099106E}" dt="2023-11-14T11:54:07.419" v="172" actId="1076"/>
+          <ac:picMkLst>
+            <pc:docMk/>
+            <pc:sldMk cId="2903769002" sldId="259"/>
+            <ac:picMk id="12" creationId="{2689DB00-BF78-EB56-BC6D-638389B33EF1}"/>
+          </ac:picMkLst>
+        </pc:picChg>
+      </pc:sldChg>
+      <pc:sldChg chg="addSp delSp modSp new mod ord">
+        <pc:chgData name="muhammad abdullahi" userId="0b3bbfbef5e37dc7" providerId="LiveId" clId="{DB26E81D-730D-4E5D-B9D6-32A24099106E}" dt="2023-11-14T12:47:39.596" v="437" actId="20577"/>
+        <pc:sldMkLst>
+          <pc:docMk/>
+          <pc:sldMk cId="3831025287" sldId="260"/>
+        </pc:sldMkLst>
+        <pc:spChg chg="mod">
+          <ac:chgData name="muhammad abdullahi" userId="0b3bbfbef5e37dc7" providerId="LiveId" clId="{DB26E81D-730D-4E5D-B9D6-32A24099106E}" dt="2023-11-14T12:44:09.143" v="192" actId="20577"/>
+          <ac:spMkLst>
+            <pc:docMk/>
+            <pc:sldMk cId="3831025287" sldId="260"/>
+            <ac:spMk id="2" creationId="{674C8F4A-C429-D56D-B2EC-1A7163607045}"/>
+          </ac:spMkLst>
+        </pc:spChg>
+        <pc:spChg chg="mod">
+          <ac:chgData name="muhammad abdullahi" userId="0b3bbfbef5e37dc7" providerId="LiveId" clId="{DB26E81D-730D-4E5D-B9D6-32A24099106E}" dt="2023-11-14T12:47:39.596" v="437" actId="20577"/>
+          <ac:spMkLst>
+            <pc:docMk/>
+            <pc:sldMk cId="3831025287" sldId="260"/>
+            <ac:spMk id="3" creationId="{66808F0A-83E9-A0EF-6AA5-43C913EFF6C3}"/>
+          </ac:spMkLst>
+        </pc:spChg>
+        <pc:spChg chg="add del">
+          <ac:chgData name="muhammad abdullahi" userId="0b3bbfbef5e37dc7" providerId="LiveId" clId="{DB26E81D-730D-4E5D-B9D6-32A24099106E}" dt="2023-11-14T12:47:21.288" v="389" actId="478"/>
+          <ac:spMkLst>
+            <pc:docMk/>
+            <pc:sldMk cId="3831025287" sldId="260"/>
+            <ac:spMk id="4" creationId="{D9C9ED5F-CCA7-493D-2A31-57C9FBA319D2}"/>
+          </ac:spMkLst>
+        </pc:spChg>
+        <pc:cxnChg chg="add">
+          <ac:chgData name="muhammad abdullahi" userId="0b3bbfbef5e37dc7" providerId="LiveId" clId="{DB26E81D-730D-4E5D-B9D6-32A24099106E}" dt="2023-11-14T12:47:17.437" v="388" actId="11529"/>
+          <ac:cxnSpMkLst>
+            <pc:docMk/>
+            <pc:sldMk cId="3831025287" sldId="260"/>
+            <ac:cxnSpMk id="6" creationId="{BA829903-220A-79B8-2111-3A4169EB92E1}"/>
+          </ac:cxnSpMkLst>
+        </pc:cxnChg>
+      </pc:sldChg>
+      <pc:sldChg chg="addSp delSp modSp new mod">
+        <pc:chgData name="muhammad abdullahi" userId="0b3bbfbef5e37dc7" providerId="LiveId" clId="{DB26E81D-730D-4E5D-B9D6-32A24099106E}" dt="2023-11-14T14:36:42.471" v="471" actId="20577"/>
+        <pc:sldMkLst>
+          <pc:docMk/>
+          <pc:sldMk cId="4201553880" sldId="261"/>
+        </pc:sldMkLst>
+        <pc:spChg chg="del">
+          <ac:chgData name="muhammad abdullahi" userId="0b3bbfbef5e37dc7" providerId="LiveId" clId="{DB26E81D-730D-4E5D-B9D6-32A24099106E}" dt="2023-11-14T14:36:19.751" v="458" actId="478"/>
+          <ac:spMkLst>
+            <pc:docMk/>
+            <pc:sldMk cId="4201553880" sldId="261"/>
+            <ac:spMk id="2" creationId="{C96EC75C-6CFC-A081-D287-66B9F5C6E518}"/>
+          </ac:spMkLst>
+        </pc:spChg>
+        <pc:spChg chg="del">
+          <ac:chgData name="muhammad abdullahi" userId="0b3bbfbef5e37dc7" providerId="LiveId" clId="{DB26E81D-730D-4E5D-B9D6-32A24099106E}" dt="2023-11-14T14:36:02.818" v="456" actId="22"/>
+          <ac:spMkLst>
+            <pc:docMk/>
+            <pc:sldMk cId="4201553880" sldId="261"/>
+            <ac:spMk id="3" creationId="{C96C97D0-F813-9368-3D5A-58EC3A763B8E}"/>
+          </ac:spMkLst>
+        </pc:spChg>
+        <pc:spChg chg="add mod">
+          <ac:chgData name="muhammad abdullahi" userId="0b3bbfbef5e37dc7" providerId="LiveId" clId="{DB26E81D-730D-4E5D-B9D6-32A24099106E}" dt="2023-11-14T14:36:42.471" v="471" actId="20577"/>
+          <ac:spMkLst>
+            <pc:docMk/>
+            <pc:sldMk cId="4201553880" sldId="261"/>
+            <ac:spMk id="6" creationId="{A87A7F9D-AAB4-9303-37C5-927A10AAFD88}"/>
+          </ac:spMkLst>
+        </pc:spChg>
+        <pc:picChg chg="add mod ord">
+          <ac:chgData name="muhammad abdullahi" userId="0b3bbfbef5e37dc7" providerId="LiveId" clId="{DB26E81D-730D-4E5D-B9D6-32A24099106E}" dt="2023-11-14T14:36:05.292" v="457" actId="1076"/>
+          <ac:picMkLst>
+            <pc:docMk/>
+            <pc:sldMk cId="4201553880" sldId="261"/>
+            <ac:picMk id="5" creationId="{E5B05020-C672-1375-A90C-F1088F29F286}"/>
+          </ac:picMkLst>
+        </pc:picChg>
+      </pc:sldChg>
+    </pc:docChg>
+  </pc:docChgLst>
+</pc:chgInfo>
+</file>
+
 <file path=ppt/slideLayouts/slideLayout1.xml><?xml version="1.0" encoding="utf-8"?>
 <p:sldLayout xmlns:a="http://schemas.openxmlformats.org/drawingml/2006/main" xmlns:r="http://schemas.openxmlformats.org/officeDocument/2006/relationships" xmlns:p="http://schemas.openxmlformats.org/presentationml/2006/main" type="title" preserve="1">
   <p:cSld name="Title Slide">
@@ -273,7 +542,7 @@
           <a:p>
             <a:fld id="{8070AA68-B4EF-467E-BC63-E7BA4881FA6F}" type="datetimeFigureOut">
               <a:rPr lang="en-GB" smtClean="0"/>
-              <a:t>10/11/2023</a:t>
+              <a:t>14/11/2023</a:t>
             </a:fld>
             <a:endParaRPr lang="en-GB"/>
           </a:p>
@@ -473,7 +742,7 @@
           <a:p>
             <a:fld id="{8070AA68-B4EF-467E-BC63-E7BA4881FA6F}" type="datetimeFigureOut">
               <a:rPr lang="en-GB" smtClean="0"/>
-              <a:t>10/11/2023</a:t>
+              <a:t>14/11/2023</a:t>
             </a:fld>
             <a:endParaRPr lang="en-GB"/>
           </a:p>
@@ -683,7 +952,7 @@
           <a:p>
             <a:fld id="{8070AA68-B4EF-467E-BC63-E7BA4881FA6F}" type="datetimeFigureOut">
               <a:rPr lang="en-GB" smtClean="0"/>
-              <a:t>10/11/2023</a:t>
+              <a:t>14/11/2023</a:t>
             </a:fld>
             <a:endParaRPr lang="en-GB"/>
           </a:p>
@@ -883,7 +1152,7 @@
           <a:p>
             <a:fld id="{8070AA68-B4EF-467E-BC63-E7BA4881FA6F}" type="datetimeFigureOut">
               <a:rPr lang="en-GB" smtClean="0"/>
-              <a:t>10/11/2023</a:t>
+              <a:t>14/11/2023</a:t>
             </a:fld>
             <a:endParaRPr lang="en-GB"/>
           </a:p>
@@ -1159,7 +1428,7 @@
           <a:p>
             <a:fld id="{8070AA68-B4EF-467E-BC63-E7BA4881FA6F}" type="datetimeFigureOut">
               <a:rPr lang="en-GB" smtClean="0"/>
-              <a:t>10/11/2023</a:t>
+              <a:t>14/11/2023</a:t>
             </a:fld>
             <a:endParaRPr lang="en-GB"/>
           </a:p>
@@ -1427,7 +1696,7 @@
           <a:p>
             <a:fld id="{8070AA68-B4EF-467E-BC63-E7BA4881FA6F}" type="datetimeFigureOut">
               <a:rPr lang="en-GB" smtClean="0"/>
-              <a:t>10/11/2023</a:t>
+              <a:t>14/11/2023</a:t>
             </a:fld>
             <a:endParaRPr lang="en-GB"/>
           </a:p>
@@ -1842,7 +2111,7 @@
           <a:p>
             <a:fld id="{8070AA68-B4EF-467E-BC63-E7BA4881FA6F}" type="datetimeFigureOut">
               <a:rPr lang="en-GB" smtClean="0"/>
-              <a:t>10/11/2023</a:t>
+              <a:t>14/11/2023</a:t>
             </a:fld>
             <a:endParaRPr lang="en-GB"/>
           </a:p>
@@ -1984,7 +2253,7 @@
           <a:p>
             <a:fld id="{8070AA68-B4EF-467E-BC63-E7BA4881FA6F}" type="datetimeFigureOut">
               <a:rPr lang="en-GB" smtClean="0"/>
-              <a:t>10/11/2023</a:t>
+              <a:t>14/11/2023</a:t>
             </a:fld>
             <a:endParaRPr lang="en-GB"/>
           </a:p>
@@ -2097,7 +2366,7 @@
           <a:p>
             <a:fld id="{8070AA68-B4EF-467E-BC63-E7BA4881FA6F}" type="datetimeFigureOut">
               <a:rPr lang="en-GB" smtClean="0"/>
-              <a:t>10/11/2023</a:t>
+              <a:t>14/11/2023</a:t>
             </a:fld>
             <a:endParaRPr lang="en-GB"/>
           </a:p>
@@ -2410,7 +2679,7 @@
           <a:p>
             <a:fld id="{8070AA68-B4EF-467E-BC63-E7BA4881FA6F}" type="datetimeFigureOut">
               <a:rPr lang="en-GB" smtClean="0"/>
-              <a:t>10/11/2023</a:t>
+              <a:t>14/11/2023</a:t>
             </a:fld>
             <a:endParaRPr lang="en-GB"/>
           </a:p>
@@ -2699,7 +2968,7 @@
           <a:p>
             <a:fld id="{8070AA68-B4EF-467E-BC63-E7BA4881FA6F}" type="datetimeFigureOut">
               <a:rPr lang="en-GB" smtClean="0"/>
-              <a:t>10/11/2023</a:t>
+              <a:t>14/11/2023</a:t>
             </a:fld>
             <a:endParaRPr lang="en-GB"/>
           </a:p>
@@ -2942,7 +3211,7 @@
           <a:p>
             <a:fld id="{8070AA68-B4EF-467E-BC63-E7BA4881FA6F}" type="datetimeFigureOut">
               <a:rPr lang="en-GB" smtClean="0"/>
-              <a:t>10/11/2023</a:t>
+              <a:t>14/11/2023</a:t>
             </a:fld>
             <a:endParaRPr lang="en-GB"/>
           </a:p>
@@ -3359,212 +3628,203 @@
           <a:chExt cx="0" cy="0"/>
         </a:xfrm>
       </p:grpSpPr>
-      <p:pic>
-        <p:nvPicPr>
-          <p:cNvPr id="5" name="Picture 4">
-            <a:extLst>
-              <a:ext uri="{FF2B5EF4-FFF2-40B4-BE49-F238E27FC236}">
-                <a16:creationId xmlns:a16="http://schemas.microsoft.com/office/drawing/2014/main" id="{4AC981DE-0431-21C0-9994-36A896408F59}"/>
-              </a:ext>
-            </a:extLst>
-          </p:cNvPr>
-          <p:cNvPicPr>
-            <a:picLocks noChangeAspect="1"/>
-          </p:cNvPicPr>
+      <p:sp>
+        <p:nvSpPr>
+          <p:cNvPr id="2" name="Title 1">
+            <a:extLst>
+              <a:ext uri="{FF2B5EF4-FFF2-40B4-BE49-F238E27FC236}">
+                <a16:creationId xmlns:a16="http://schemas.microsoft.com/office/drawing/2014/main" id="{674C8F4A-C429-D56D-B2EC-1A7163607045}"/>
+              </a:ext>
+            </a:extLst>
+          </p:cNvPr>
+          <p:cNvSpPr>
+            <a:spLocks noGrp="1"/>
+          </p:cNvSpPr>
+          <p:nvPr>
+            <p:ph type="title"/>
+          </p:nvPr>
+        </p:nvSpPr>
+        <p:spPr/>
+        <p:txBody>
+          <a:bodyPr/>
+          <a:lstStyle/>
+          <a:p>
+            <a:r>
+              <a:rPr lang="en-GB" dirty="0"/>
+              <a:t>Data Analysis</a:t>
+            </a:r>
+          </a:p>
+        </p:txBody>
+      </p:sp>
+      <p:sp>
+        <p:nvSpPr>
+          <p:cNvPr id="3" name="Content Placeholder 2">
+            <a:extLst>
+              <a:ext uri="{FF2B5EF4-FFF2-40B4-BE49-F238E27FC236}">
+                <a16:creationId xmlns:a16="http://schemas.microsoft.com/office/drawing/2014/main" id="{66808F0A-83E9-A0EF-6AA5-43C913EFF6C3}"/>
+              </a:ext>
+            </a:extLst>
+          </p:cNvPr>
+          <p:cNvSpPr>
+            <a:spLocks noGrp="1"/>
+          </p:cNvSpPr>
+          <p:nvPr>
+            <p:ph idx="1"/>
+          </p:nvPr>
+        </p:nvSpPr>
+        <p:spPr/>
+        <p:txBody>
+          <a:bodyPr>
+            <a:normAutofit lnSpcReduction="10000"/>
+          </a:bodyPr>
+          <a:lstStyle/>
+          <a:p>
+            <a:r>
+              <a:rPr lang="en-GB" dirty="0"/>
+              <a:t>A- Exploratory analysis:</a:t>
+            </a:r>
+          </a:p>
+          <a:p>
+            <a:pPr marL="0" indent="0">
+              <a:buNone/>
+            </a:pPr>
+            <a:r>
+              <a:rPr lang="en-GB" dirty="0"/>
+              <a:t>- Box plot</a:t>
+            </a:r>
+          </a:p>
+          <a:p>
+            <a:pPr marL="0" indent="0">
+              <a:buNone/>
+            </a:pPr>
+            <a:r>
+              <a:rPr lang="en-GB" dirty="0"/>
+              <a:t>- PCA                                  we are here!</a:t>
+            </a:r>
+          </a:p>
+          <a:p>
+            <a:pPr marL="0" indent="0">
+              <a:buNone/>
+            </a:pPr>
+            <a:endParaRPr lang="en-GB" dirty="0"/>
+          </a:p>
+          <a:p>
+            <a:pPr marL="0" indent="0">
+              <a:buNone/>
+            </a:pPr>
+            <a:r>
+              <a:rPr lang="en-GB" dirty="0"/>
+              <a:t>B- Hypothesis testing</a:t>
+            </a:r>
+          </a:p>
+          <a:p>
+            <a:pPr marL="0" indent="0">
+              <a:buNone/>
+            </a:pPr>
+            <a:r>
+              <a:rPr lang="en-GB" dirty="0"/>
+              <a:t>- </a:t>
+            </a:r>
+            <a:r>
+              <a:rPr lang="en-GB" dirty="0" err="1"/>
+              <a:t>Anova</a:t>
+            </a:r>
+            <a:r>
+              <a:rPr lang="en-GB" dirty="0"/>
+              <a:t> ( univariate data): </a:t>
+            </a:r>
+            <a:r>
+              <a:rPr lang="en-GB" dirty="0" err="1"/>
+              <a:t>Anova</a:t>
+            </a:r>
+            <a:r>
+              <a:rPr lang="en-GB" dirty="0"/>
+              <a:t> supports the Reaction norm plots</a:t>
+            </a:r>
+          </a:p>
+          <a:p>
+            <a:pPr marL="0" indent="0">
+              <a:buNone/>
+            </a:pPr>
+            <a:r>
+              <a:rPr lang="en-GB" dirty="0"/>
+              <a:t>-</a:t>
+            </a:r>
+            <a:r>
+              <a:rPr lang="en-GB" dirty="0" err="1"/>
+              <a:t>Manova</a:t>
+            </a:r>
+            <a:r>
+              <a:rPr lang="en-GB" dirty="0"/>
+              <a:t> (multivariate data)</a:t>
+            </a:r>
+          </a:p>
+          <a:p>
+            <a:pPr marL="0" indent="0">
+              <a:buNone/>
+            </a:pPr>
+            <a:endParaRPr lang="en-GB" dirty="0"/>
+          </a:p>
+          <a:p>
+            <a:pPr marL="0" indent="0">
+              <a:buNone/>
+            </a:pPr>
+            <a:r>
+              <a:rPr lang="en-GB" dirty="0"/>
+              <a:t>C- PTA</a:t>
+            </a:r>
+          </a:p>
+          <a:p>
+            <a:pPr marL="0" indent="0">
+              <a:buNone/>
+            </a:pPr>
+            <a:endParaRPr lang="en-GB" dirty="0"/>
+          </a:p>
+        </p:txBody>
+      </p:sp>
+      <p:cxnSp>
+        <p:nvCxnSpPr>
+          <p:cNvPr id="6" name="Straight Arrow Connector 5">
+            <a:extLst>
+              <a:ext uri="{FF2B5EF4-FFF2-40B4-BE49-F238E27FC236}">
+                <a16:creationId xmlns:a16="http://schemas.microsoft.com/office/drawing/2014/main" id="{BA829903-220A-79B8-2111-3A4169EB92E1}"/>
+              </a:ext>
+            </a:extLst>
+          </p:cNvPr>
+          <p:cNvCxnSpPr/>
           <p:nvPr/>
-        </p:nvPicPr>
-        <p:blipFill>
-          <a:blip r:embed="rId2"/>
-          <a:stretch>
-            <a:fillRect/>
-          </a:stretch>
-        </p:blipFill>
+        </p:nvCxnSpPr>
         <p:spPr>
           <a:xfrm>
-            <a:off x="719455" y="405130"/>
-            <a:ext cx="7867650" cy="5295900"/>
+            <a:off x="2969971" y="2787091"/>
+            <a:ext cx="1155802" cy="0"/>
           </a:xfrm>
-          <a:prstGeom prst="rect">
+          <a:prstGeom prst="straightConnector1">
             <a:avLst/>
           </a:prstGeom>
+          <a:ln>
+            <a:tailEnd type="triangle"/>
+          </a:ln>
         </p:spPr>
-      </p:pic>
-      <p:sp>
-        <p:nvSpPr>
-          <p:cNvPr id="6" name="TextBox 5">
-            <a:extLst>
-              <a:ext uri="{FF2B5EF4-FFF2-40B4-BE49-F238E27FC236}">
-                <a16:creationId xmlns:a16="http://schemas.microsoft.com/office/drawing/2014/main" id="{9508DD4F-6F70-9BD9-A2FB-0B7E68AF29A7}"/>
-              </a:ext>
-            </a:extLst>
-          </p:cNvPr>
-          <p:cNvSpPr txBox="1"/>
-          <p:nvPr/>
-        </p:nvSpPr>
-        <p:spPr>
-          <a:xfrm>
-            <a:off x="1991360" y="599440"/>
-            <a:ext cx="2052320" cy="369332"/>
-          </a:xfrm>
-          <a:prstGeom prst="rect">
-            <a:avLst/>
-          </a:prstGeom>
-          <a:noFill/>
-        </p:spPr>
-        <p:txBody>
-          <a:bodyPr wrap="square" rtlCol="0">
-            <a:spAutoFit/>
-          </a:bodyPr>
-          <a:lstStyle/>
-          <a:p>
-            <a:r>
-              <a:rPr lang="en-GB" dirty="0" err="1"/>
-              <a:t>Age_maturity</a:t>
-            </a:r>
-            <a:r>
-              <a:rPr lang="en-GB" dirty="0"/>
-              <a:t> MP</a:t>
-            </a:r>
-          </a:p>
-        </p:txBody>
-      </p:sp>
-      <p:pic>
-        <p:nvPicPr>
-          <p:cNvPr id="10" name="Picture 9">
-            <a:extLst>
-              <a:ext uri="{FF2B5EF4-FFF2-40B4-BE49-F238E27FC236}">
-                <a16:creationId xmlns:a16="http://schemas.microsoft.com/office/drawing/2014/main" id="{4E7879CA-8E4B-50E6-CC5B-AF8C24889C07}"/>
-              </a:ext>
-            </a:extLst>
-          </p:cNvPr>
-          <p:cNvPicPr>
-            <a:picLocks noChangeAspect="1"/>
-          </p:cNvPicPr>
-          <p:nvPr/>
-        </p:nvPicPr>
-        <p:blipFill>
-          <a:blip r:embed="rId3"/>
-          <a:stretch>
-            <a:fillRect/>
-          </a:stretch>
-        </p:blipFill>
-        <p:spPr>
-          <a:xfrm>
-            <a:off x="496252" y="3159442"/>
-            <a:ext cx="8334375" cy="5476875"/>
-          </a:xfrm>
-          <a:prstGeom prst="rect">
-            <a:avLst/>
-          </a:prstGeom>
-        </p:spPr>
-      </p:pic>
-      <p:sp>
-        <p:nvSpPr>
-          <p:cNvPr id="11" name="TextBox 10">
-            <a:extLst>
-              <a:ext uri="{FF2B5EF4-FFF2-40B4-BE49-F238E27FC236}">
-                <a16:creationId xmlns:a16="http://schemas.microsoft.com/office/drawing/2014/main" id="{EF26DCC8-34DC-AD13-E96D-0E74E510BFB4}"/>
-              </a:ext>
-            </a:extLst>
-          </p:cNvPr>
-          <p:cNvSpPr txBox="1"/>
-          <p:nvPr/>
-        </p:nvSpPr>
-        <p:spPr>
-          <a:xfrm>
-            <a:off x="2184400" y="3429000"/>
-            <a:ext cx="1960880" cy="646331"/>
-          </a:xfrm>
-          <a:prstGeom prst="rect">
-            <a:avLst/>
-          </a:prstGeom>
-          <a:noFill/>
-        </p:spPr>
-        <p:txBody>
-          <a:bodyPr wrap="square" rtlCol="0">
-            <a:spAutoFit/>
-          </a:bodyPr>
-          <a:lstStyle/>
-          <a:p>
-            <a:r>
-              <a:rPr lang="en-GB" dirty="0"/>
-              <a:t>Log </a:t>
-            </a:r>
-            <a:r>
-              <a:rPr lang="en-GB" dirty="0" err="1"/>
-              <a:t>Age_maturity</a:t>
-            </a:r>
-            <a:r>
-              <a:rPr lang="en-GB" dirty="0"/>
-              <a:t> MP</a:t>
-            </a:r>
-          </a:p>
-        </p:txBody>
-      </p:sp>
-      <p:pic>
-        <p:nvPicPr>
-          <p:cNvPr id="13" name="Picture 12">
-            <a:extLst>
-              <a:ext uri="{FF2B5EF4-FFF2-40B4-BE49-F238E27FC236}">
-                <a16:creationId xmlns:a16="http://schemas.microsoft.com/office/drawing/2014/main" id="{19030167-C5D7-E4FD-0C5A-BC594328B421}"/>
-              </a:ext>
-            </a:extLst>
-          </p:cNvPr>
-          <p:cNvPicPr>
-            <a:picLocks noChangeAspect="1"/>
-          </p:cNvPicPr>
-          <p:nvPr/>
-        </p:nvPicPr>
-        <p:blipFill>
-          <a:blip r:embed="rId4"/>
-          <a:stretch>
-            <a:fillRect/>
-          </a:stretch>
-        </p:blipFill>
-        <p:spPr>
-          <a:xfrm>
-            <a:off x="6186487" y="538162"/>
-            <a:ext cx="6410325" cy="4791075"/>
-          </a:xfrm>
-          <a:prstGeom prst="rect">
-            <a:avLst/>
-          </a:prstGeom>
-        </p:spPr>
-      </p:pic>
-      <p:pic>
-        <p:nvPicPr>
-          <p:cNvPr id="15" name="Picture 14">
-            <a:extLst>
-              <a:ext uri="{FF2B5EF4-FFF2-40B4-BE49-F238E27FC236}">
-                <a16:creationId xmlns:a16="http://schemas.microsoft.com/office/drawing/2014/main" id="{6D883DB9-359F-980F-341C-564B7635A21D}"/>
-              </a:ext>
-            </a:extLst>
-          </p:cNvPr>
-          <p:cNvPicPr>
-            <a:picLocks noChangeAspect="1"/>
-          </p:cNvPicPr>
-          <p:nvPr/>
-        </p:nvPicPr>
-        <p:blipFill>
-          <a:blip r:embed="rId5"/>
-          <a:stretch>
-            <a:fillRect/>
-          </a:stretch>
-        </p:blipFill>
-        <p:spPr>
-          <a:xfrm>
-            <a:off x="6224587" y="3567112"/>
-            <a:ext cx="6410325" cy="4791075"/>
-          </a:xfrm>
-          <a:prstGeom prst="rect">
-            <a:avLst/>
-          </a:prstGeom>
-        </p:spPr>
-      </p:pic>
+        <p:style>
+          <a:lnRef idx="1">
+            <a:schemeClr val="accent1"/>
+          </a:lnRef>
+          <a:fillRef idx="0">
+            <a:schemeClr val="accent1"/>
+          </a:fillRef>
+          <a:effectRef idx="0">
+            <a:schemeClr val="accent1"/>
+          </a:effectRef>
+          <a:fontRef idx="minor">
+            <a:schemeClr val="tx1"/>
+          </a:fontRef>
+        </p:style>
+      </p:cxnSp>
     </p:spTree>
     <p:extLst>
       <p:ext uri="{BB962C8B-B14F-4D97-AF65-F5344CB8AC3E}">
-        <p14:creationId xmlns:p14="http://schemas.microsoft.com/office/powerpoint/2010/main" val="2462476015"/>
+        <p14:creationId xmlns:p14="http://schemas.microsoft.com/office/powerpoint/2010/main" val="3831025287"/>
       </p:ext>
     </p:extLst>
   </p:cSld>
@@ -3591,6 +3851,558 @@
           <a:chExt cx="0" cy="0"/>
         </a:xfrm>
       </p:grpSpPr>
+      <p:sp>
+        <p:nvSpPr>
+          <p:cNvPr id="2" name="Title 1">
+            <a:extLst>
+              <a:ext uri="{FF2B5EF4-FFF2-40B4-BE49-F238E27FC236}">
+                <a16:creationId xmlns:a16="http://schemas.microsoft.com/office/drawing/2014/main" id="{88AD331C-AEC9-7632-CAA6-CF37B747D484}"/>
+              </a:ext>
+            </a:extLst>
+          </p:cNvPr>
+          <p:cNvSpPr>
+            <a:spLocks noGrp="1"/>
+          </p:cNvSpPr>
+          <p:nvPr>
+            <p:ph type="title"/>
+          </p:nvPr>
+        </p:nvSpPr>
+        <p:spPr/>
+        <p:txBody>
+          <a:bodyPr/>
+          <a:lstStyle/>
+          <a:p>
+            <a:r>
+              <a:rPr lang="en-GB" dirty="0"/>
+              <a:t>PCA-Exploratory Analysis</a:t>
+            </a:r>
+          </a:p>
+        </p:txBody>
+      </p:sp>
+      <p:sp>
+        <p:nvSpPr>
+          <p:cNvPr id="3" name="Content Placeholder 2">
+            <a:extLst>
+              <a:ext uri="{FF2B5EF4-FFF2-40B4-BE49-F238E27FC236}">
+                <a16:creationId xmlns:a16="http://schemas.microsoft.com/office/drawing/2014/main" id="{C7E3214E-B388-E02B-4CA7-213FC7516AE2}"/>
+              </a:ext>
+            </a:extLst>
+          </p:cNvPr>
+          <p:cNvSpPr>
+            <a:spLocks noGrp="1"/>
+          </p:cNvSpPr>
+          <p:nvPr>
+            <p:ph idx="1"/>
+          </p:nvPr>
+        </p:nvSpPr>
+        <p:spPr/>
+        <p:txBody>
+          <a:bodyPr/>
+          <a:lstStyle/>
+          <a:p>
+            <a:pPr marL="0" indent="0">
+              <a:buNone/>
+            </a:pPr>
+            <a:endParaRPr lang="en-GB" dirty="0"/>
+          </a:p>
+          <a:p>
+            <a:pPr marL="0" indent="0">
+              <a:buNone/>
+            </a:pPr>
+            <a:endParaRPr lang="en-GB" dirty="0"/>
+          </a:p>
+        </p:txBody>
+      </p:sp>
+      <p:pic>
+        <p:nvPicPr>
+          <p:cNvPr id="5" name="Picture 4">
+            <a:extLst>
+              <a:ext uri="{FF2B5EF4-FFF2-40B4-BE49-F238E27FC236}">
+                <a16:creationId xmlns:a16="http://schemas.microsoft.com/office/drawing/2014/main" id="{9C4751C8-CEA1-220F-A085-F804C91C2D34}"/>
+              </a:ext>
+            </a:extLst>
+          </p:cNvPr>
+          <p:cNvPicPr>
+            <a:picLocks noChangeAspect="1"/>
+          </p:cNvPicPr>
+          <p:nvPr/>
+        </p:nvPicPr>
+        <p:blipFill>
+          <a:blip r:embed="rId2"/>
+          <a:stretch>
+            <a:fillRect/>
+          </a:stretch>
+        </p:blipFill>
+        <p:spPr>
+          <a:xfrm>
+            <a:off x="666750" y="2409825"/>
+            <a:ext cx="8496300" cy="4781550"/>
+          </a:xfrm>
+          <a:prstGeom prst="rect">
+            <a:avLst/>
+          </a:prstGeom>
+        </p:spPr>
+      </p:pic>
+      <p:pic>
+        <p:nvPicPr>
+          <p:cNvPr id="6" name="Picture 5">
+            <a:extLst>
+              <a:ext uri="{FF2B5EF4-FFF2-40B4-BE49-F238E27FC236}">
+                <a16:creationId xmlns:a16="http://schemas.microsoft.com/office/drawing/2014/main" id="{1645CA51-C633-7B8F-71FC-61582674ECD3}"/>
+              </a:ext>
+            </a:extLst>
+          </p:cNvPr>
+          <p:cNvPicPr>
+            <a:picLocks noChangeAspect="1"/>
+          </p:cNvPicPr>
+          <p:nvPr/>
+        </p:nvPicPr>
+        <p:blipFill>
+          <a:blip r:embed="rId3"/>
+          <a:stretch>
+            <a:fillRect/>
+          </a:stretch>
+        </p:blipFill>
+        <p:spPr>
+          <a:xfrm>
+            <a:off x="6267450" y="2057717"/>
+            <a:ext cx="6705600" cy="5210175"/>
+          </a:xfrm>
+          <a:prstGeom prst="rect">
+            <a:avLst/>
+          </a:prstGeom>
+        </p:spPr>
+      </p:pic>
+      <p:cxnSp>
+        <p:nvCxnSpPr>
+          <p:cNvPr id="10" name="Straight Arrow Connector 9">
+            <a:extLst>
+              <a:ext uri="{FF2B5EF4-FFF2-40B4-BE49-F238E27FC236}">
+                <a16:creationId xmlns:a16="http://schemas.microsoft.com/office/drawing/2014/main" id="{831C5A29-2385-9D99-DC1C-FBEA2B7BA78B}"/>
+              </a:ext>
+            </a:extLst>
+          </p:cNvPr>
+          <p:cNvCxnSpPr>
+            <a:cxnSpLocks/>
+          </p:cNvCxnSpPr>
+          <p:nvPr/>
+        </p:nvCxnSpPr>
+        <p:spPr>
+          <a:xfrm flipH="1">
+            <a:off x="8258175" y="2371725"/>
+            <a:ext cx="1019175" cy="0"/>
+          </a:xfrm>
+          <a:prstGeom prst="straightConnector1">
+            <a:avLst/>
+          </a:prstGeom>
+          <a:ln>
+            <a:tailEnd type="triangle"/>
+          </a:ln>
+        </p:spPr>
+        <p:style>
+          <a:lnRef idx="1">
+            <a:schemeClr val="accent1"/>
+          </a:lnRef>
+          <a:fillRef idx="0">
+            <a:schemeClr val="accent1"/>
+          </a:fillRef>
+          <a:effectRef idx="0">
+            <a:schemeClr val="accent1"/>
+          </a:effectRef>
+          <a:fontRef idx="minor">
+            <a:schemeClr val="tx1"/>
+          </a:fontRef>
+        </p:style>
+      </p:cxnSp>
+      <p:sp>
+        <p:nvSpPr>
+          <p:cNvPr id="12" name="TextBox 11">
+            <a:extLst>
+              <a:ext uri="{FF2B5EF4-FFF2-40B4-BE49-F238E27FC236}">
+                <a16:creationId xmlns:a16="http://schemas.microsoft.com/office/drawing/2014/main" id="{F3DDEE40-468A-4B1B-C4B6-FF2D5DD15D16}"/>
+              </a:ext>
+            </a:extLst>
+          </p:cNvPr>
+          <p:cNvSpPr txBox="1"/>
+          <p:nvPr/>
+        </p:nvSpPr>
+        <p:spPr>
+          <a:xfrm>
+            <a:off x="9324975" y="2171700"/>
+            <a:ext cx="1962150" cy="369332"/>
+          </a:xfrm>
+          <a:prstGeom prst="rect">
+            <a:avLst/>
+          </a:prstGeom>
+          <a:noFill/>
+        </p:spPr>
+        <p:txBody>
+          <a:bodyPr wrap="square" rtlCol="0">
+            <a:spAutoFit/>
+          </a:bodyPr>
+          <a:lstStyle/>
+          <a:p>
+            <a:r>
+              <a:rPr lang="en-GB" dirty="0"/>
+              <a:t>Cute little outlier!</a:t>
+            </a:r>
+          </a:p>
+        </p:txBody>
+      </p:sp>
+      <p:sp>
+        <p:nvSpPr>
+          <p:cNvPr id="14" name="TextBox 13">
+            <a:extLst>
+              <a:ext uri="{FF2B5EF4-FFF2-40B4-BE49-F238E27FC236}">
+                <a16:creationId xmlns:a16="http://schemas.microsoft.com/office/drawing/2014/main" id="{A77A8631-94AC-085D-3BC8-DE4E6E32F0AF}"/>
+              </a:ext>
+            </a:extLst>
+          </p:cNvPr>
+          <p:cNvSpPr txBox="1"/>
+          <p:nvPr/>
+        </p:nvSpPr>
+        <p:spPr>
+          <a:xfrm>
+            <a:off x="6560058" y="1569262"/>
+            <a:ext cx="1533525" cy="369332"/>
+          </a:xfrm>
+          <a:prstGeom prst="rect">
+            <a:avLst/>
+          </a:prstGeom>
+          <a:noFill/>
+        </p:spPr>
+        <p:txBody>
+          <a:bodyPr wrap="square" rtlCol="0">
+            <a:spAutoFit/>
+          </a:bodyPr>
+          <a:lstStyle/>
+          <a:p>
+            <a:r>
+              <a:rPr lang="en-GB" dirty="0"/>
+              <a:t>PE-Abu</a:t>
+            </a:r>
+          </a:p>
+        </p:txBody>
+      </p:sp>
+      <p:sp>
+        <p:nvSpPr>
+          <p:cNvPr id="15" name="TextBox 14">
+            <a:extLst>
+              <a:ext uri="{FF2B5EF4-FFF2-40B4-BE49-F238E27FC236}">
+                <a16:creationId xmlns:a16="http://schemas.microsoft.com/office/drawing/2014/main" id="{4F9BF94A-BE12-A359-571B-DBB4796EB862}"/>
+              </a:ext>
+            </a:extLst>
+          </p:cNvPr>
+          <p:cNvSpPr txBox="1"/>
+          <p:nvPr/>
+        </p:nvSpPr>
+        <p:spPr>
+          <a:xfrm>
+            <a:off x="1002182" y="1726387"/>
+            <a:ext cx="2033626" cy="369332"/>
+          </a:xfrm>
+          <a:prstGeom prst="rect">
+            <a:avLst/>
+          </a:prstGeom>
+          <a:noFill/>
+        </p:spPr>
+        <p:txBody>
+          <a:bodyPr wrap="square" rtlCol="0">
+            <a:spAutoFit/>
+          </a:bodyPr>
+          <a:lstStyle/>
+          <a:p>
+            <a:r>
+              <a:rPr lang="en-GB" dirty="0"/>
+              <a:t>MP-Tia</a:t>
+            </a:r>
+          </a:p>
+        </p:txBody>
+      </p:sp>
+    </p:spTree>
+    <p:extLst>
+      <p:ext uri="{BB962C8B-B14F-4D97-AF65-F5344CB8AC3E}">
+        <p14:creationId xmlns:p14="http://schemas.microsoft.com/office/powerpoint/2010/main" val="200290078"/>
+      </p:ext>
+    </p:extLst>
+  </p:cSld>
+  <p:clrMapOvr>
+    <a:masterClrMapping/>
+  </p:clrMapOvr>
+</p:sld>
+</file>
+
+<file path=ppt/slides/slide3.xml><?xml version="1.0" encoding="utf-8"?>
+<p:sld xmlns:a="http://schemas.openxmlformats.org/drawingml/2006/main" xmlns:r="http://schemas.openxmlformats.org/officeDocument/2006/relationships" xmlns:p="http://schemas.openxmlformats.org/presentationml/2006/main">
+  <p:cSld>
+    <p:spTree>
+      <p:nvGrpSpPr>
+        <p:cNvPr id="1" name=""/>
+        <p:cNvGrpSpPr/>
+        <p:nvPr/>
+      </p:nvGrpSpPr>
+      <p:grpSpPr>
+        <a:xfrm>
+          <a:off x="0" y="0"/>
+          <a:ext cx="0" cy="0"/>
+          <a:chOff x="0" y="0"/>
+          <a:chExt cx="0" cy="0"/>
+        </a:xfrm>
+      </p:grpSpPr>
+      <p:sp>
+        <p:nvSpPr>
+          <p:cNvPr id="6" name="TextBox 5">
+            <a:extLst>
+              <a:ext uri="{FF2B5EF4-FFF2-40B4-BE49-F238E27FC236}">
+                <a16:creationId xmlns:a16="http://schemas.microsoft.com/office/drawing/2014/main" id="{CF98F935-3DB3-1B5F-E702-C86A3B87C296}"/>
+              </a:ext>
+            </a:extLst>
+          </p:cNvPr>
+          <p:cNvSpPr txBox="1"/>
+          <p:nvPr/>
+        </p:nvSpPr>
+        <p:spPr>
+          <a:xfrm>
+            <a:off x="924154" y="913993"/>
+            <a:ext cx="2966720" cy="369332"/>
+          </a:xfrm>
+          <a:prstGeom prst="rect">
+            <a:avLst/>
+          </a:prstGeom>
+          <a:noFill/>
+        </p:spPr>
+        <p:txBody>
+          <a:bodyPr wrap="square" rtlCol="0">
+            <a:spAutoFit/>
+          </a:bodyPr>
+          <a:lstStyle/>
+          <a:p>
+            <a:r>
+              <a:rPr lang="en-GB" dirty="0"/>
+              <a:t>MP_PFOA_TA</a:t>
+            </a:r>
+          </a:p>
+        </p:txBody>
+      </p:sp>
+      <p:pic>
+        <p:nvPicPr>
+          <p:cNvPr id="10" name="Content Placeholder 9">
+            <a:extLst>
+              <a:ext uri="{FF2B5EF4-FFF2-40B4-BE49-F238E27FC236}">
+                <a16:creationId xmlns:a16="http://schemas.microsoft.com/office/drawing/2014/main" id="{C4FE1FEF-0765-1DD3-FD2A-300BC318CCDE}"/>
+              </a:ext>
+            </a:extLst>
+          </p:cNvPr>
+          <p:cNvPicPr>
+            <a:picLocks noGrp="1" noChangeAspect="1"/>
+          </p:cNvPicPr>
+          <p:nvPr>
+            <p:ph idx="1"/>
+          </p:nvPr>
+        </p:nvPicPr>
+        <p:blipFill>
+          <a:blip r:embed="rId2"/>
+          <a:stretch>
+            <a:fillRect/>
+          </a:stretch>
+        </p:blipFill>
+        <p:spPr>
+          <a:xfrm>
+            <a:off x="475061" y="1723390"/>
+            <a:ext cx="6323168" cy="4351338"/>
+          </a:xfrm>
+        </p:spPr>
+      </p:pic>
+      <p:pic>
+        <p:nvPicPr>
+          <p:cNvPr id="12" name="Picture 11">
+            <a:extLst>
+              <a:ext uri="{FF2B5EF4-FFF2-40B4-BE49-F238E27FC236}">
+                <a16:creationId xmlns:a16="http://schemas.microsoft.com/office/drawing/2014/main" id="{2689DB00-BF78-EB56-BC6D-638389B33EF1}"/>
+              </a:ext>
+            </a:extLst>
+          </p:cNvPr>
+          <p:cNvPicPr>
+            <a:picLocks noChangeAspect="1"/>
+          </p:cNvPicPr>
+          <p:nvPr/>
+        </p:nvPicPr>
+        <p:blipFill>
+          <a:blip r:embed="rId3"/>
+          <a:stretch>
+            <a:fillRect/>
+          </a:stretch>
+        </p:blipFill>
+        <p:spPr>
+          <a:xfrm>
+            <a:off x="4897831" y="1501483"/>
+            <a:ext cx="7239000" cy="4981575"/>
+          </a:xfrm>
+          <a:prstGeom prst="rect">
+            <a:avLst/>
+          </a:prstGeom>
+        </p:spPr>
+      </p:pic>
+      <p:sp>
+        <p:nvSpPr>
+          <p:cNvPr id="13" name="TextBox 12">
+            <a:extLst>
+              <a:ext uri="{FF2B5EF4-FFF2-40B4-BE49-F238E27FC236}">
+                <a16:creationId xmlns:a16="http://schemas.microsoft.com/office/drawing/2014/main" id="{AF53ED4D-D3E1-CF70-4530-A5EE256D0092}"/>
+              </a:ext>
+            </a:extLst>
+          </p:cNvPr>
+          <p:cNvSpPr txBox="1"/>
+          <p:nvPr/>
+        </p:nvSpPr>
+        <p:spPr>
+          <a:xfrm>
+            <a:off x="6495897" y="943661"/>
+            <a:ext cx="1894637" cy="369332"/>
+          </a:xfrm>
+          <a:prstGeom prst="rect">
+            <a:avLst/>
+          </a:prstGeom>
+          <a:noFill/>
+        </p:spPr>
+        <p:txBody>
+          <a:bodyPr wrap="square" rtlCol="0">
+            <a:spAutoFit/>
+          </a:bodyPr>
+          <a:lstStyle/>
+          <a:p>
+            <a:r>
+              <a:rPr lang="en-GB" dirty="0" err="1"/>
+              <a:t>PFOS_PFOA_abu</a:t>
+            </a:r>
+            <a:endParaRPr lang="en-GB" dirty="0"/>
+          </a:p>
+        </p:txBody>
+      </p:sp>
+    </p:spTree>
+    <p:extLst>
+      <p:ext uri="{BB962C8B-B14F-4D97-AF65-F5344CB8AC3E}">
+        <p14:creationId xmlns:p14="http://schemas.microsoft.com/office/powerpoint/2010/main" val="2903769002"/>
+      </p:ext>
+    </p:extLst>
+  </p:cSld>
+  <p:clrMapOvr>
+    <a:masterClrMapping/>
+  </p:clrMapOvr>
+</p:sld>
+</file>
+
+<file path=ppt/slides/slide4.xml><?xml version="1.0" encoding="utf-8"?>
+<p:sld xmlns:a="http://schemas.openxmlformats.org/drawingml/2006/main" xmlns:r="http://schemas.openxmlformats.org/officeDocument/2006/relationships" xmlns:p="http://schemas.openxmlformats.org/presentationml/2006/main">
+  <p:cSld>
+    <p:spTree>
+      <p:nvGrpSpPr>
+        <p:cNvPr id="1" name=""/>
+        <p:cNvGrpSpPr/>
+        <p:nvPr/>
+      </p:nvGrpSpPr>
+      <p:grpSpPr>
+        <a:xfrm>
+          <a:off x="0" y="0"/>
+          <a:ext cx="0" cy="0"/>
+          <a:chOff x="0" y="0"/>
+          <a:chExt cx="0" cy="0"/>
+        </a:xfrm>
+      </p:grpSpPr>
+      <p:pic>
+        <p:nvPicPr>
+          <p:cNvPr id="5" name="Content Placeholder 4">
+            <a:extLst>
+              <a:ext uri="{FF2B5EF4-FFF2-40B4-BE49-F238E27FC236}">
+                <a16:creationId xmlns:a16="http://schemas.microsoft.com/office/drawing/2014/main" id="{E5B05020-C672-1375-A90C-F1088F29F286}"/>
+              </a:ext>
+            </a:extLst>
+          </p:cNvPr>
+          <p:cNvPicPr>
+            <a:picLocks noGrp="1" noChangeAspect="1"/>
+          </p:cNvPicPr>
+          <p:nvPr>
+            <p:ph idx="1"/>
+          </p:nvPr>
+        </p:nvPicPr>
+        <p:blipFill>
+          <a:blip r:embed="rId2"/>
+          <a:stretch>
+            <a:fillRect/>
+          </a:stretch>
+        </p:blipFill>
+        <p:spPr>
+          <a:xfrm>
+            <a:off x="1347017" y="1810994"/>
+            <a:ext cx="6323168" cy="4351338"/>
+          </a:xfrm>
+        </p:spPr>
+      </p:pic>
+      <p:sp>
+        <p:nvSpPr>
+          <p:cNvPr id="6" name="TextBox 5">
+            <a:extLst>
+              <a:ext uri="{FF2B5EF4-FFF2-40B4-BE49-F238E27FC236}">
+                <a16:creationId xmlns:a16="http://schemas.microsoft.com/office/drawing/2014/main" id="{A87A7F9D-AAB4-9303-37C5-927A10AAFD88}"/>
+              </a:ext>
+            </a:extLst>
+          </p:cNvPr>
+          <p:cNvSpPr txBox="1"/>
+          <p:nvPr/>
+        </p:nvSpPr>
+        <p:spPr>
+          <a:xfrm>
+            <a:off x="1580083" y="1411834"/>
+            <a:ext cx="1726387" cy="369332"/>
+          </a:xfrm>
+          <a:prstGeom prst="rect">
+            <a:avLst/>
+          </a:prstGeom>
+          <a:noFill/>
+        </p:spPr>
+        <p:txBody>
+          <a:bodyPr wrap="square" rtlCol="0">
+            <a:spAutoFit/>
+          </a:bodyPr>
+          <a:lstStyle/>
+          <a:p>
+            <a:r>
+              <a:rPr lang="en-GB" dirty="0"/>
+              <a:t>MP_PFOS_PFOA</a:t>
+            </a:r>
+          </a:p>
+        </p:txBody>
+      </p:sp>
+    </p:spTree>
+    <p:extLst>
+      <p:ext uri="{BB962C8B-B14F-4D97-AF65-F5344CB8AC3E}">
+        <p14:creationId xmlns:p14="http://schemas.microsoft.com/office/powerpoint/2010/main" val="4201553880"/>
+      </p:ext>
+    </p:extLst>
+  </p:cSld>
+  <p:clrMapOvr>
+    <a:masterClrMapping/>
+  </p:clrMapOvr>
+</p:sld>
+</file>
+
+<file path=ppt/slides/slide5.xml><?xml version="1.0" encoding="utf-8"?>
+<p:sld xmlns:a="http://schemas.openxmlformats.org/drawingml/2006/main" xmlns:r="http://schemas.openxmlformats.org/officeDocument/2006/relationships" xmlns:p="http://schemas.openxmlformats.org/presentationml/2006/main">
+  <p:cSld>
+    <p:spTree>
+      <p:nvGrpSpPr>
+        <p:cNvPr id="1" name=""/>
+        <p:cNvGrpSpPr/>
+        <p:nvPr/>
+      </p:nvGrpSpPr>
+      <p:grpSpPr>
+        <a:xfrm>
+          <a:off x="0" y="0"/>
+          <a:ext cx="0" cy="0"/>
+          <a:chOff x="0" y="0"/>
+          <a:chExt cx="0" cy="0"/>
+        </a:xfrm>
+      </p:grpSpPr>
       <p:pic>
         <p:nvPicPr>
           <p:cNvPr id="5" name="Picture 4">
@@ -3787,6 +4599,238 @@
     <p:extLst>
       <p:ext uri="{BB962C8B-B14F-4D97-AF65-F5344CB8AC3E}">
         <p14:creationId xmlns:p14="http://schemas.microsoft.com/office/powerpoint/2010/main" val="3702158050"/>
+      </p:ext>
+    </p:extLst>
+  </p:cSld>
+  <p:clrMapOvr>
+    <a:masterClrMapping/>
+  </p:clrMapOvr>
+</p:sld>
+</file>
+
+<file path=ppt/slides/slide6.xml><?xml version="1.0" encoding="utf-8"?>
+<p:sld xmlns:a="http://schemas.openxmlformats.org/drawingml/2006/main" xmlns:r="http://schemas.openxmlformats.org/officeDocument/2006/relationships" xmlns:p="http://schemas.openxmlformats.org/presentationml/2006/main">
+  <p:cSld>
+    <p:spTree>
+      <p:nvGrpSpPr>
+        <p:cNvPr id="1" name=""/>
+        <p:cNvGrpSpPr/>
+        <p:nvPr/>
+      </p:nvGrpSpPr>
+      <p:grpSpPr>
+        <a:xfrm>
+          <a:off x="0" y="0"/>
+          <a:ext cx="0" cy="0"/>
+          <a:chOff x="0" y="0"/>
+          <a:chExt cx="0" cy="0"/>
+        </a:xfrm>
+      </p:grpSpPr>
+      <p:pic>
+        <p:nvPicPr>
+          <p:cNvPr id="5" name="Picture 4">
+            <a:extLst>
+              <a:ext uri="{FF2B5EF4-FFF2-40B4-BE49-F238E27FC236}">
+                <a16:creationId xmlns:a16="http://schemas.microsoft.com/office/drawing/2014/main" id="{4AC981DE-0431-21C0-9994-36A896408F59}"/>
+              </a:ext>
+            </a:extLst>
+          </p:cNvPr>
+          <p:cNvPicPr>
+            <a:picLocks noChangeAspect="1"/>
+          </p:cNvPicPr>
+          <p:nvPr/>
+        </p:nvPicPr>
+        <p:blipFill>
+          <a:blip r:embed="rId2"/>
+          <a:stretch>
+            <a:fillRect/>
+          </a:stretch>
+        </p:blipFill>
+        <p:spPr>
+          <a:xfrm>
+            <a:off x="719455" y="405130"/>
+            <a:ext cx="7867650" cy="5295900"/>
+          </a:xfrm>
+          <a:prstGeom prst="rect">
+            <a:avLst/>
+          </a:prstGeom>
+        </p:spPr>
+      </p:pic>
+      <p:sp>
+        <p:nvSpPr>
+          <p:cNvPr id="6" name="TextBox 5">
+            <a:extLst>
+              <a:ext uri="{FF2B5EF4-FFF2-40B4-BE49-F238E27FC236}">
+                <a16:creationId xmlns:a16="http://schemas.microsoft.com/office/drawing/2014/main" id="{9508DD4F-6F70-9BD9-A2FB-0B7E68AF29A7}"/>
+              </a:ext>
+            </a:extLst>
+          </p:cNvPr>
+          <p:cNvSpPr txBox="1"/>
+          <p:nvPr/>
+        </p:nvSpPr>
+        <p:spPr>
+          <a:xfrm>
+            <a:off x="1991360" y="599440"/>
+            <a:ext cx="2052320" cy="369332"/>
+          </a:xfrm>
+          <a:prstGeom prst="rect">
+            <a:avLst/>
+          </a:prstGeom>
+          <a:noFill/>
+        </p:spPr>
+        <p:txBody>
+          <a:bodyPr wrap="square" rtlCol="0">
+            <a:spAutoFit/>
+          </a:bodyPr>
+          <a:lstStyle/>
+          <a:p>
+            <a:r>
+              <a:rPr lang="en-GB" dirty="0" err="1"/>
+              <a:t>Age_maturity</a:t>
+            </a:r>
+            <a:r>
+              <a:rPr lang="en-GB" dirty="0"/>
+              <a:t> MP</a:t>
+            </a:r>
+          </a:p>
+        </p:txBody>
+      </p:sp>
+      <p:pic>
+        <p:nvPicPr>
+          <p:cNvPr id="10" name="Picture 9">
+            <a:extLst>
+              <a:ext uri="{FF2B5EF4-FFF2-40B4-BE49-F238E27FC236}">
+                <a16:creationId xmlns:a16="http://schemas.microsoft.com/office/drawing/2014/main" id="{4E7879CA-8E4B-50E6-CC5B-AF8C24889C07}"/>
+              </a:ext>
+            </a:extLst>
+          </p:cNvPr>
+          <p:cNvPicPr>
+            <a:picLocks noChangeAspect="1"/>
+          </p:cNvPicPr>
+          <p:nvPr/>
+        </p:nvPicPr>
+        <p:blipFill>
+          <a:blip r:embed="rId3"/>
+          <a:stretch>
+            <a:fillRect/>
+          </a:stretch>
+        </p:blipFill>
+        <p:spPr>
+          <a:xfrm>
+            <a:off x="496252" y="3159442"/>
+            <a:ext cx="8334375" cy="5476875"/>
+          </a:xfrm>
+          <a:prstGeom prst="rect">
+            <a:avLst/>
+          </a:prstGeom>
+        </p:spPr>
+      </p:pic>
+      <p:sp>
+        <p:nvSpPr>
+          <p:cNvPr id="11" name="TextBox 10">
+            <a:extLst>
+              <a:ext uri="{FF2B5EF4-FFF2-40B4-BE49-F238E27FC236}">
+                <a16:creationId xmlns:a16="http://schemas.microsoft.com/office/drawing/2014/main" id="{EF26DCC8-34DC-AD13-E96D-0E74E510BFB4}"/>
+              </a:ext>
+            </a:extLst>
+          </p:cNvPr>
+          <p:cNvSpPr txBox="1"/>
+          <p:nvPr/>
+        </p:nvSpPr>
+        <p:spPr>
+          <a:xfrm>
+            <a:off x="2184400" y="3429000"/>
+            <a:ext cx="1960880" cy="646331"/>
+          </a:xfrm>
+          <a:prstGeom prst="rect">
+            <a:avLst/>
+          </a:prstGeom>
+          <a:noFill/>
+        </p:spPr>
+        <p:txBody>
+          <a:bodyPr wrap="square" rtlCol="0">
+            <a:spAutoFit/>
+          </a:bodyPr>
+          <a:lstStyle/>
+          <a:p>
+            <a:r>
+              <a:rPr lang="en-GB" dirty="0"/>
+              <a:t>Log </a:t>
+            </a:r>
+            <a:r>
+              <a:rPr lang="en-GB" dirty="0" err="1"/>
+              <a:t>Age_maturity</a:t>
+            </a:r>
+            <a:r>
+              <a:rPr lang="en-GB" dirty="0"/>
+              <a:t> MP</a:t>
+            </a:r>
+          </a:p>
+        </p:txBody>
+      </p:sp>
+      <p:pic>
+        <p:nvPicPr>
+          <p:cNvPr id="13" name="Picture 12">
+            <a:extLst>
+              <a:ext uri="{FF2B5EF4-FFF2-40B4-BE49-F238E27FC236}">
+                <a16:creationId xmlns:a16="http://schemas.microsoft.com/office/drawing/2014/main" id="{19030167-C5D7-E4FD-0C5A-BC594328B421}"/>
+              </a:ext>
+            </a:extLst>
+          </p:cNvPr>
+          <p:cNvPicPr>
+            <a:picLocks noChangeAspect="1"/>
+          </p:cNvPicPr>
+          <p:nvPr/>
+        </p:nvPicPr>
+        <p:blipFill>
+          <a:blip r:embed="rId4"/>
+          <a:stretch>
+            <a:fillRect/>
+          </a:stretch>
+        </p:blipFill>
+        <p:spPr>
+          <a:xfrm>
+            <a:off x="6186487" y="538162"/>
+            <a:ext cx="6410325" cy="4791075"/>
+          </a:xfrm>
+          <a:prstGeom prst="rect">
+            <a:avLst/>
+          </a:prstGeom>
+        </p:spPr>
+      </p:pic>
+      <p:pic>
+        <p:nvPicPr>
+          <p:cNvPr id="15" name="Picture 14">
+            <a:extLst>
+              <a:ext uri="{FF2B5EF4-FFF2-40B4-BE49-F238E27FC236}">
+                <a16:creationId xmlns:a16="http://schemas.microsoft.com/office/drawing/2014/main" id="{6D883DB9-359F-980F-341C-564B7635A21D}"/>
+              </a:ext>
+            </a:extLst>
+          </p:cNvPr>
+          <p:cNvPicPr>
+            <a:picLocks noChangeAspect="1"/>
+          </p:cNvPicPr>
+          <p:nvPr/>
+        </p:nvPicPr>
+        <p:blipFill>
+          <a:blip r:embed="rId5"/>
+          <a:stretch>
+            <a:fillRect/>
+          </a:stretch>
+        </p:blipFill>
+        <p:spPr>
+          <a:xfrm>
+            <a:off x="6224587" y="3567112"/>
+            <a:ext cx="6410325" cy="4791075"/>
+          </a:xfrm>
+          <a:prstGeom prst="rect">
+            <a:avLst/>
+          </a:prstGeom>
+        </p:spPr>
+      </p:pic>
+    </p:spTree>
+    <p:extLst>
+      <p:ext uri="{BB962C8B-B14F-4D97-AF65-F5344CB8AC3E}">
+        <p14:creationId xmlns:p14="http://schemas.microsoft.com/office/powerpoint/2010/main" val="2462476015"/>
       </p:ext>
     </p:extLst>
   </p:cSld>
